--- a/Final_Project_Presentation.pptx
+++ b/Final_Project_Presentation.pptx
@@ -13219,7 +13219,7 @@
         <p:fade/>
       </p:transition>
     </mc:Choice>
-    <mc:Fallback xmlns:ahyp="http://schemas.microsoft.com/office/drawing/2018/hyperlinkcolor" xmlns:p15="http://schemas.microsoft.com/office/powerpoint/2012/main" xmlns:com="http://schemas.openxmlformats.org/drawingml/2006/compatibility" xmlns:pvml="urn:schemas-microsoft-com:office:powerpoint" xmlns:v="urn:schemas-microsoft-com:vml" xmlns:o="urn:schemas-microsoft-com:office:office" xmlns:dgm="http://schemas.openxmlformats.org/drawingml/2006/diagram" xmlns:c="http://schemas.openxmlformats.org/drawingml/2006/chart" xmlns:mv="urn:schemas-microsoft-com:mac:vml" xmlns="">
+    <mc:Fallback xmlns="" xmlns:mv="urn:schemas-microsoft-com:mac:vml" xmlns:c="http://schemas.openxmlformats.org/drawingml/2006/chart" xmlns:dgm="http://schemas.openxmlformats.org/drawingml/2006/diagram" xmlns:o="urn:schemas-microsoft-com:office:office" xmlns:v="urn:schemas-microsoft-com:vml" xmlns:pvml="urn:schemas-microsoft-com:office:powerpoint" xmlns:com="http://schemas.openxmlformats.org/drawingml/2006/compatibility" xmlns:p15="http://schemas.microsoft.com/office/powerpoint/2012/main" xmlns:ahyp="http://schemas.microsoft.com/office/drawing/2018/hyperlinkcolor">
       <p:transition spd="slow">
         <p:fade/>
       </p:transition>
@@ -17997,7 +17997,7 @@
                   <a:srgbClr val="00B050"/>
                 </a:solidFill>
               </a:rPr>
-              <a:t>332/841</a:t>
+              <a:t>332/860</a:t>
             </a:r>
           </a:p>
           <a:p>
@@ -18141,7 +18141,7 @@
         <p:fade/>
       </p:transition>
     </mc:Choice>
-    <mc:Fallback xmlns:ahyp="http://schemas.microsoft.com/office/drawing/2018/hyperlinkcolor" xmlns:p15="http://schemas.microsoft.com/office/powerpoint/2012/main" xmlns:com="http://schemas.openxmlformats.org/drawingml/2006/compatibility" xmlns:pvml="urn:schemas-microsoft-com:office:powerpoint" xmlns:v="urn:schemas-microsoft-com:vml" xmlns:o="urn:schemas-microsoft-com:office:office" xmlns:dgm="http://schemas.openxmlformats.org/drawingml/2006/diagram" xmlns:c="http://schemas.openxmlformats.org/drawingml/2006/chart" xmlns:mv="urn:schemas-microsoft-com:mac:vml" xmlns="">
+    <mc:Fallback xmlns="" xmlns:mv="urn:schemas-microsoft-com:mac:vml" xmlns:c="http://schemas.openxmlformats.org/drawingml/2006/chart" xmlns:dgm="http://schemas.openxmlformats.org/drawingml/2006/diagram" xmlns:o="urn:schemas-microsoft-com:office:office" xmlns:v="urn:schemas-microsoft-com:vml" xmlns:pvml="urn:schemas-microsoft-com:office:powerpoint" xmlns:com="http://schemas.openxmlformats.org/drawingml/2006/compatibility" xmlns:p15="http://schemas.microsoft.com/office/powerpoint/2012/main" xmlns:ahyp="http://schemas.microsoft.com/office/drawing/2018/hyperlinkcolor">
       <p:transition spd="slow">
         <p:fade/>
       </p:transition>
@@ -18769,7 +18769,7 @@
         <p:fade/>
       </p:transition>
     </mc:Choice>
-    <mc:Fallback xmlns:ahyp="http://schemas.microsoft.com/office/drawing/2018/hyperlinkcolor" xmlns:p15="http://schemas.microsoft.com/office/powerpoint/2012/main" xmlns:com="http://schemas.openxmlformats.org/drawingml/2006/compatibility" xmlns:pvml="urn:schemas-microsoft-com:office:powerpoint" xmlns:v="urn:schemas-microsoft-com:vml" xmlns:o="urn:schemas-microsoft-com:office:office" xmlns:dgm="http://schemas.openxmlformats.org/drawingml/2006/diagram" xmlns:c="http://schemas.openxmlformats.org/drawingml/2006/chart" xmlns:mv="urn:schemas-microsoft-com:mac:vml" xmlns="">
+    <mc:Fallback xmlns="" xmlns:mv="urn:schemas-microsoft-com:mac:vml" xmlns:c="http://schemas.openxmlformats.org/drawingml/2006/chart" xmlns:dgm="http://schemas.openxmlformats.org/drawingml/2006/diagram" xmlns:o="urn:schemas-microsoft-com:office:office" xmlns:v="urn:schemas-microsoft-com:vml" xmlns:pvml="urn:schemas-microsoft-com:office:powerpoint" xmlns:com="http://schemas.openxmlformats.org/drawingml/2006/compatibility" xmlns:p15="http://schemas.microsoft.com/office/powerpoint/2012/main" xmlns:ahyp="http://schemas.microsoft.com/office/drawing/2018/hyperlinkcolor">
       <p:transition spd="slow">
         <p:fade/>
       </p:transition>
@@ -23599,7 +23599,7 @@
                   <a:srgbClr val="00B050"/>
                 </a:solidFill>
               </a:rPr>
-              <a:t>…/841</a:t>
+              <a:t>281/860</a:t>
             </a:r>
           </a:p>
           <a:p>
@@ -23639,7 +23639,7 @@
         <p:fade/>
       </p:transition>
     </mc:Choice>
-    <mc:Fallback xmlns:ahyp="http://schemas.microsoft.com/office/drawing/2018/hyperlinkcolor" xmlns:p15="http://schemas.microsoft.com/office/powerpoint/2012/main" xmlns:com="http://schemas.openxmlformats.org/drawingml/2006/compatibility" xmlns:pvml="urn:schemas-microsoft-com:office:powerpoint" xmlns:v="urn:schemas-microsoft-com:vml" xmlns:o="urn:schemas-microsoft-com:office:office" xmlns:dgm="http://schemas.openxmlformats.org/drawingml/2006/diagram" xmlns:c="http://schemas.openxmlformats.org/drawingml/2006/chart" xmlns:mv="urn:schemas-microsoft-com:mac:vml" xmlns="">
+    <mc:Fallback xmlns="" xmlns:mv="urn:schemas-microsoft-com:mac:vml" xmlns:c="http://schemas.openxmlformats.org/drawingml/2006/chart" xmlns:dgm="http://schemas.openxmlformats.org/drawingml/2006/diagram" xmlns:o="urn:schemas-microsoft-com:office:office" xmlns:v="urn:schemas-microsoft-com:vml" xmlns:pvml="urn:schemas-microsoft-com:office:powerpoint" xmlns:com="http://schemas.openxmlformats.org/drawingml/2006/compatibility" xmlns:p15="http://schemas.microsoft.com/office/powerpoint/2012/main" xmlns:ahyp="http://schemas.microsoft.com/office/drawing/2018/hyperlinkcolor">
       <p:transition spd="slow">
         <p:fade/>
       </p:transition>
@@ -23819,7 +23819,7 @@
         <p:fade/>
       </p:transition>
     </mc:Choice>
-    <mc:Fallback xmlns:ahyp="http://schemas.microsoft.com/office/drawing/2018/hyperlinkcolor" xmlns:p15="http://schemas.microsoft.com/office/powerpoint/2012/main" xmlns:com="http://schemas.openxmlformats.org/drawingml/2006/compatibility" xmlns:pvml="urn:schemas-microsoft-com:office:powerpoint" xmlns:v="urn:schemas-microsoft-com:vml" xmlns:o="urn:schemas-microsoft-com:office:office" xmlns:dgm="http://schemas.openxmlformats.org/drawingml/2006/diagram" xmlns:c="http://schemas.openxmlformats.org/drawingml/2006/chart" xmlns:mv="urn:schemas-microsoft-com:mac:vml" xmlns="">
+    <mc:Fallback xmlns="" xmlns:mv="urn:schemas-microsoft-com:mac:vml" xmlns:c="http://schemas.openxmlformats.org/drawingml/2006/chart" xmlns:dgm="http://schemas.openxmlformats.org/drawingml/2006/diagram" xmlns:o="urn:schemas-microsoft-com:office:office" xmlns:v="urn:schemas-microsoft-com:vml" xmlns:pvml="urn:schemas-microsoft-com:office:powerpoint" xmlns:com="http://schemas.openxmlformats.org/drawingml/2006/compatibility" xmlns:p15="http://schemas.microsoft.com/office/powerpoint/2012/main" xmlns:ahyp="http://schemas.microsoft.com/office/drawing/2018/hyperlinkcolor">
       <p:transition spd="slow">
         <p:fade/>
       </p:transition>
@@ -23921,7 +23921,7 @@
         <p:fade/>
       </p:transition>
     </mc:Choice>
-    <mc:Fallback xmlns:ahyp="http://schemas.microsoft.com/office/drawing/2018/hyperlinkcolor" xmlns:p15="http://schemas.microsoft.com/office/powerpoint/2012/main" xmlns:com="http://schemas.openxmlformats.org/drawingml/2006/compatibility" xmlns:pvml="urn:schemas-microsoft-com:office:powerpoint" xmlns:v="urn:schemas-microsoft-com:vml" xmlns:o="urn:schemas-microsoft-com:office:office" xmlns:dgm="http://schemas.openxmlformats.org/drawingml/2006/diagram" xmlns:c="http://schemas.openxmlformats.org/drawingml/2006/chart" xmlns:mv="urn:schemas-microsoft-com:mac:vml" xmlns="">
+    <mc:Fallback xmlns="" xmlns:mv="urn:schemas-microsoft-com:mac:vml" xmlns:c="http://schemas.openxmlformats.org/drawingml/2006/chart" xmlns:dgm="http://schemas.openxmlformats.org/drawingml/2006/diagram" xmlns:o="urn:schemas-microsoft-com:office:office" xmlns:v="urn:schemas-microsoft-com:vml" xmlns:pvml="urn:schemas-microsoft-com:office:powerpoint" xmlns:com="http://schemas.openxmlformats.org/drawingml/2006/compatibility" xmlns:p15="http://schemas.microsoft.com/office/powerpoint/2012/main" xmlns:ahyp="http://schemas.microsoft.com/office/drawing/2018/hyperlinkcolor">
       <p:transition spd="slow">
         <p:fade/>
       </p:transition>
@@ -24281,7 +24281,7 @@
         <p:fade/>
       </p:transition>
     </mc:Choice>
-    <mc:Fallback xmlns:ahyp="http://schemas.microsoft.com/office/drawing/2018/hyperlinkcolor" xmlns:p15="http://schemas.microsoft.com/office/powerpoint/2012/main" xmlns:com="http://schemas.openxmlformats.org/drawingml/2006/compatibility" xmlns:pvml="urn:schemas-microsoft-com:office:powerpoint" xmlns:v="urn:schemas-microsoft-com:vml" xmlns:o="urn:schemas-microsoft-com:office:office" xmlns:dgm="http://schemas.openxmlformats.org/drawingml/2006/diagram" xmlns:c="http://schemas.openxmlformats.org/drawingml/2006/chart" xmlns:mv="urn:schemas-microsoft-com:mac:vml" xmlns="">
+    <mc:Fallback xmlns="" xmlns:mv="urn:schemas-microsoft-com:mac:vml" xmlns:c="http://schemas.openxmlformats.org/drawingml/2006/chart" xmlns:dgm="http://schemas.openxmlformats.org/drawingml/2006/diagram" xmlns:o="urn:schemas-microsoft-com:office:office" xmlns:v="urn:schemas-microsoft-com:vml" xmlns:pvml="urn:schemas-microsoft-com:office:powerpoint" xmlns:com="http://schemas.openxmlformats.org/drawingml/2006/compatibility" xmlns:p15="http://schemas.microsoft.com/office/powerpoint/2012/main" xmlns:ahyp="http://schemas.microsoft.com/office/drawing/2018/hyperlinkcolor">
       <p:transition spd="slow">
         <p:fade/>
       </p:transition>
@@ -24655,7 +24655,7 @@
         <p:fade/>
       </p:transition>
     </mc:Choice>
-    <mc:Fallback xmlns:ahyp="http://schemas.microsoft.com/office/drawing/2018/hyperlinkcolor" xmlns:p15="http://schemas.microsoft.com/office/powerpoint/2012/main" xmlns:com="http://schemas.openxmlformats.org/drawingml/2006/compatibility" xmlns:pvml="urn:schemas-microsoft-com:office:powerpoint" xmlns:v="urn:schemas-microsoft-com:vml" xmlns:o="urn:schemas-microsoft-com:office:office" xmlns:dgm="http://schemas.openxmlformats.org/drawingml/2006/diagram" xmlns:c="http://schemas.openxmlformats.org/drawingml/2006/chart" xmlns:mv="urn:schemas-microsoft-com:mac:vml" xmlns="">
+    <mc:Fallback xmlns="" xmlns:mv="urn:schemas-microsoft-com:mac:vml" xmlns:c="http://schemas.openxmlformats.org/drawingml/2006/chart" xmlns:dgm="http://schemas.openxmlformats.org/drawingml/2006/diagram" xmlns:o="urn:schemas-microsoft-com:office:office" xmlns:v="urn:schemas-microsoft-com:vml" xmlns:pvml="urn:schemas-microsoft-com:office:powerpoint" xmlns:com="http://schemas.openxmlformats.org/drawingml/2006/compatibility" xmlns:p15="http://schemas.microsoft.com/office/powerpoint/2012/main" xmlns:ahyp="http://schemas.microsoft.com/office/drawing/2018/hyperlinkcolor">
       <p:transition spd="slow">
         <p:fade/>
       </p:transition>
@@ -25148,7 +25148,7 @@
         <p:fade/>
       </p:transition>
     </mc:Choice>
-    <mc:Fallback xmlns:ahyp="http://schemas.microsoft.com/office/drawing/2018/hyperlinkcolor" xmlns:p15="http://schemas.microsoft.com/office/powerpoint/2012/main" xmlns:com="http://schemas.openxmlformats.org/drawingml/2006/compatibility" xmlns:pvml="urn:schemas-microsoft-com:office:powerpoint" xmlns:v="urn:schemas-microsoft-com:vml" xmlns:o="urn:schemas-microsoft-com:office:office" xmlns:dgm="http://schemas.openxmlformats.org/drawingml/2006/diagram" xmlns:c="http://schemas.openxmlformats.org/drawingml/2006/chart" xmlns:mv="urn:schemas-microsoft-com:mac:vml" xmlns="">
+    <mc:Fallback xmlns="" xmlns:mv="urn:schemas-microsoft-com:mac:vml" xmlns:c="http://schemas.openxmlformats.org/drawingml/2006/chart" xmlns:dgm="http://schemas.openxmlformats.org/drawingml/2006/diagram" xmlns:o="urn:schemas-microsoft-com:office:office" xmlns:v="urn:schemas-microsoft-com:vml" xmlns:pvml="urn:schemas-microsoft-com:office:powerpoint" xmlns:com="http://schemas.openxmlformats.org/drawingml/2006/compatibility" xmlns:p15="http://schemas.microsoft.com/office/powerpoint/2012/main" xmlns:ahyp="http://schemas.microsoft.com/office/drawing/2018/hyperlinkcolor">
       <p:transition spd="slow">
         <p:fade/>
       </p:transition>
@@ -25998,7 +25998,7 @@
         <p:fade/>
       </p:transition>
     </mc:Choice>
-    <mc:Fallback xmlns:ahyp="http://schemas.microsoft.com/office/drawing/2018/hyperlinkcolor" xmlns:p15="http://schemas.microsoft.com/office/powerpoint/2012/main" xmlns:com="http://schemas.openxmlformats.org/drawingml/2006/compatibility" xmlns:pvml="urn:schemas-microsoft-com:office:powerpoint" xmlns:v="urn:schemas-microsoft-com:vml" xmlns:o="urn:schemas-microsoft-com:office:office" xmlns:dgm="http://schemas.openxmlformats.org/drawingml/2006/diagram" xmlns:c="http://schemas.openxmlformats.org/drawingml/2006/chart" xmlns:mv="urn:schemas-microsoft-com:mac:vml" xmlns="">
+    <mc:Fallback xmlns="" xmlns:mv="urn:schemas-microsoft-com:mac:vml" xmlns:c="http://schemas.openxmlformats.org/drawingml/2006/chart" xmlns:dgm="http://schemas.openxmlformats.org/drawingml/2006/diagram" xmlns:o="urn:schemas-microsoft-com:office:office" xmlns:v="urn:schemas-microsoft-com:vml" xmlns:pvml="urn:schemas-microsoft-com:office:powerpoint" xmlns:com="http://schemas.openxmlformats.org/drawingml/2006/compatibility" xmlns:p15="http://schemas.microsoft.com/office/powerpoint/2012/main" xmlns:ahyp="http://schemas.microsoft.com/office/drawing/2018/hyperlinkcolor">
       <p:transition spd="slow">
         <p:fade/>
       </p:transition>
@@ -30779,7 +30779,7 @@
                   <a:srgbClr val="00B050"/>
                 </a:solidFill>
               </a:rPr>
-              <a:t>795/841</a:t>
+              <a:t>795/860</a:t>
             </a:r>
           </a:p>
           <a:p>
@@ -30819,7 +30819,7 @@
         <p:fade/>
       </p:transition>
     </mc:Choice>
-    <mc:Fallback xmlns:ahyp="http://schemas.microsoft.com/office/drawing/2018/hyperlinkcolor" xmlns:p15="http://schemas.microsoft.com/office/powerpoint/2012/main" xmlns:com="http://schemas.openxmlformats.org/drawingml/2006/compatibility" xmlns:pvml="urn:schemas-microsoft-com:office:powerpoint" xmlns:v="urn:schemas-microsoft-com:vml" xmlns:o="urn:schemas-microsoft-com:office:office" xmlns:dgm="http://schemas.openxmlformats.org/drawingml/2006/diagram" xmlns:c="http://schemas.openxmlformats.org/drawingml/2006/chart" xmlns:mv="urn:schemas-microsoft-com:mac:vml" xmlns="">
+    <mc:Fallback xmlns="" xmlns:mv="urn:schemas-microsoft-com:mac:vml" xmlns:c="http://schemas.openxmlformats.org/drawingml/2006/chart" xmlns:dgm="http://schemas.openxmlformats.org/drawingml/2006/diagram" xmlns:o="urn:schemas-microsoft-com:office:office" xmlns:v="urn:schemas-microsoft-com:vml" xmlns:pvml="urn:schemas-microsoft-com:office:powerpoint" xmlns:com="http://schemas.openxmlformats.org/drawingml/2006/compatibility" xmlns:p15="http://schemas.microsoft.com/office/powerpoint/2012/main" xmlns:ahyp="http://schemas.microsoft.com/office/drawing/2018/hyperlinkcolor">
       <p:transition spd="slow">
         <p:fade/>
       </p:transition>
@@ -31100,7 +31100,7 @@
         <p:fade/>
       </p:transition>
     </mc:Choice>
-    <mc:Fallback xmlns:ahyp="http://schemas.microsoft.com/office/drawing/2018/hyperlinkcolor" xmlns:p15="http://schemas.microsoft.com/office/powerpoint/2012/main" xmlns:com="http://schemas.openxmlformats.org/drawingml/2006/compatibility" xmlns:pvml="urn:schemas-microsoft-com:office:powerpoint" xmlns:v="urn:schemas-microsoft-com:vml" xmlns:o="urn:schemas-microsoft-com:office:office" xmlns:dgm="http://schemas.openxmlformats.org/drawingml/2006/diagram" xmlns:c="http://schemas.openxmlformats.org/drawingml/2006/chart" xmlns:mv="urn:schemas-microsoft-com:mac:vml" xmlns="">
+    <mc:Fallback xmlns="" xmlns:mv="urn:schemas-microsoft-com:mac:vml" xmlns:c="http://schemas.openxmlformats.org/drawingml/2006/chart" xmlns:dgm="http://schemas.openxmlformats.org/drawingml/2006/diagram" xmlns:o="urn:schemas-microsoft-com:office:office" xmlns:v="urn:schemas-microsoft-com:vml" xmlns:pvml="urn:schemas-microsoft-com:office:powerpoint" xmlns:com="http://schemas.openxmlformats.org/drawingml/2006/compatibility" xmlns:p15="http://schemas.microsoft.com/office/powerpoint/2012/main" xmlns:ahyp="http://schemas.microsoft.com/office/drawing/2018/hyperlinkcolor">
       <p:transition spd="slow">
         <p:fade/>
       </p:transition>
@@ -31501,7 +31501,7 @@
         <p:fade/>
       </p:transition>
     </mc:Choice>
-    <mc:Fallback xmlns:ahyp="http://schemas.microsoft.com/office/drawing/2018/hyperlinkcolor" xmlns:p15="http://schemas.microsoft.com/office/powerpoint/2012/main" xmlns:com="http://schemas.openxmlformats.org/drawingml/2006/compatibility" xmlns:pvml="urn:schemas-microsoft-com:office:powerpoint" xmlns:v="urn:schemas-microsoft-com:vml" xmlns:o="urn:schemas-microsoft-com:office:office" xmlns:dgm="http://schemas.openxmlformats.org/drawingml/2006/diagram" xmlns:c="http://schemas.openxmlformats.org/drawingml/2006/chart" xmlns:mv="urn:schemas-microsoft-com:mac:vml" xmlns="">
+    <mc:Fallback xmlns="" xmlns:mv="urn:schemas-microsoft-com:mac:vml" xmlns:c="http://schemas.openxmlformats.org/drawingml/2006/chart" xmlns:dgm="http://schemas.openxmlformats.org/drawingml/2006/diagram" xmlns:o="urn:schemas-microsoft-com:office:office" xmlns:v="urn:schemas-microsoft-com:vml" xmlns:pvml="urn:schemas-microsoft-com:office:powerpoint" xmlns:com="http://schemas.openxmlformats.org/drawingml/2006/compatibility" xmlns:p15="http://schemas.microsoft.com/office/powerpoint/2012/main" xmlns:ahyp="http://schemas.microsoft.com/office/drawing/2018/hyperlinkcolor">
       <p:transition spd="slow">
         <p:fade/>
       </p:transition>
@@ -31996,7 +31996,7 @@
         <p:fade/>
       </p:transition>
     </mc:Choice>
-    <mc:Fallback xmlns:ahyp="http://schemas.microsoft.com/office/drawing/2018/hyperlinkcolor" xmlns:p15="http://schemas.microsoft.com/office/powerpoint/2012/main" xmlns:com="http://schemas.openxmlformats.org/drawingml/2006/compatibility" xmlns:pvml="urn:schemas-microsoft-com:office:powerpoint" xmlns:v="urn:schemas-microsoft-com:vml" xmlns:o="urn:schemas-microsoft-com:office:office" xmlns:dgm="http://schemas.openxmlformats.org/drawingml/2006/diagram" xmlns:c="http://schemas.openxmlformats.org/drawingml/2006/chart" xmlns:mv="urn:schemas-microsoft-com:mac:vml" xmlns="">
+    <mc:Fallback xmlns="" xmlns:mv="urn:schemas-microsoft-com:mac:vml" xmlns:c="http://schemas.openxmlformats.org/drawingml/2006/chart" xmlns:dgm="http://schemas.openxmlformats.org/drawingml/2006/diagram" xmlns:o="urn:schemas-microsoft-com:office:office" xmlns:v="urn:schemas-microsoft-com:vml" xmlns:pvml="urn:schemas-microsoft-com:office:powerpoint" xmlns:com="http://schemas.openxmlformats.org/drawingml/2006/compatibility" xmlns:p15="http://schemas.microsoft.com/office/powerpoint/2012/main" xmlns:ahyp="http://schemas.microsoft.com/office/drawing/2018/hyperlinkcolor">
       <p:transition spd="slow">
         <p:fade/>
       </p:transition>

--- a/Final_Project_Presentation.pptx
+++ b/Final_Project_Presentation.pptx
@@ -13219,7 +13219,7 @@
         <p:fade/>
       </p:transition>
     </mc:Choice>
-    <mc:Fallback xmlns="" xmlns:mv="urn:schemas-microsoft-com:mac:vml" xmlns:c="http://schemas.openxmlformats.org/drawingml/2006/chart" xmlns:dgm="http://schemas.openxmlformats.org/drawingml/2006/diagram" xmlns:o="urn:schemas-microsoft-com:office:office" xmlns:v="urn:schemas-microsoft-com:vml" xmlns:pvml="urn:schemas-microsoft-com:office:powerpoint" xmlns:com="http://schemas.openxmlformats.org/drawingml/2006/compatibility" xmlns:p15="http://schemas.microsoft.com/office/powerpoint/2012/main" xmlns:ahyp="http://schemas.microsoft.com/office/drawing/2018/hyperlinkcolor">
+    <mc:Fallback xmlns:ahyp="http://schemas.microsoft.com/office/drawing/2018/hyperlinkcolor" xmlns:p15="http://schemas.microsoft.com/office/powerpoint/2012/main" xmlns:com="http://schemas.openxmlformats.org/drawingml/2006/compatibility" xmlns:pvml="urn:schemas-microsoft-com:office:powerpoint" xmlns:v="urn:schemas-microsoft-com:vml" xmlns:o="urn:schemas-microsoft-com:office:office" xmlns:dgm="http://schemas.openxmlformats.org/drawingml/2006/diagram" xmlns:c="http://schemas.openxmlformats.org/drawingml/2006/chart" xmlns:mv="urn:schemas-microsoft-com:mac:vml" xmlns="">
       <p:transition spd="slow">
         <p:fade/>
       </p:transition>
@@ -17997,7 +17997,7 @@
                   <a:srgbClr val="00B050"/>
                 </a:solidFill>
               </a:rPr>
-              <a:t>332/860</a:t>
+              <a:t>397/897</a:t>
             </a:r>
           </a:p>
           <a:p>
@@ -18141,7 +18141,7 @@
         <p:fade/>
       </p:transition>
     </mc:Choice>
-    <mc:Fallback xmlns="" xmlns:mv="urn:schemas-microsoft-com:mac:vml" xmlns:c="http://schemas.openxmlformats.org/drawingml/2006/chart" xmlns:dgm="http://schemas.openxmlformats.org/drawingml/2006/diagram" xmlns:o="urn:schemas-microsoft-com:office:office" xmlns:v="urn:schemas-microsoft-com:vml" xmlns:pvml="urn:schemas-microsoft-com:office:powerpoint" xmlns:com="http://schemas.openxmlformats.org/drawingml/2006/compatibility" xmlns:p15="http://schemas.microsoft.com/office/powerpoint/2012/main" xmlns:ahyp="http://schemas.microsoft.com/office/drawing/2018/hyperlinkcolor">
+    <mc:Fallback xmlns:ahyp="http://schemas.microsoft.com/office/drawing/2018/hyperlinkcolor" xmlns:p15="http://schemas.microsoft.com/office/powerpoint/2012/main" xmlns:com="http://schemas.openxmlformats.org/drawingml/2006/compatibility" xmlns:pvml="urn:schemas-microsoft-com:office:powerpoint" xmlns:v="urn:schemas-microsoft-com:vml" xmlns:o="urn:schemas-microsoft-com:office:office" xmlns:dgm="http://schemas.openxmlformats.org/drawingml/2006/diagram" xmlns:c="http://schemas.openxmlformats.org/drawingml/2006/chart" xmlns:mv="urn:schemas-microsoft-com:mac:vml" xmlns="">
       <p:transition spd="slow">
         <p:fade/>
       </p:transition>
@@ -18769,7 +18769,7 @@
         <p:fade/>
       </p:transition>
     </mc:Choice>
-    <mc:Fallback xmlns="" xmlns:mv="urn:schemas-microsoft-com:mac:vml" xmlns:c="http://schemas.openxmlformats.org/drawingml/2006/chart" xmlns:dgm="http://schemas.openxmlformats.org/drawingml/2006/diagram" xmlns:o="urn:schemas-microsoft-com:office:office" xmlns:v="urn:schemas-microsoft-com:vml" xmlns:pvml="urn:schemas-microsoft-com:office:powerpoint" xmlns:com="http://schemas.openxmlformats.org/drawingml/2006/compatibility" xmlns:p15="http://schemas.microsoft.com/office/powerpoint/2012/main" xmlns:ahyp="http://schemas.microsoft.com/office/drawing/2018/hyperlinkcolor">
+    <mc:Fallback xmlns:ahyp="http://schemas.microsoft.com/office/drawing/2018/hyperlinkcolor" xmlns:p15="http://schemas.microsoft.com/office/powerpoint/2012/main" xmlns:com="http://schemas.openxmlformats.org/drawingml/2006/compatibility" xmlns:pvml="urn:schemas-microsoft-com:office:powerpoint" xmlns:v="urn:schemas-microsoft-com:vml" xmlns:o="urn:schemas-microsoft-com:office:office" xmlns:dgm="http://schemas.openxmlformats.org/drawingml/2006/diagram" xmlns:c="http://schemas.openxmlformats.org/drawingml/2006/chart" xmlns:mv="urn:schemas-microsoft-com:mac:vml" xmlns="">
       <p:transition spd="slow">
         <p:fade/>
       </p:transition>
@@ -23599,7 +23599,7 @@
                   <a:srgbClr val="00B050"/>
                 </a:solidFill>
               </a:rPr>
-              <a:t>281/860</a:t>
+              <a:t>290/897</a:t>
             </a:r>
           </a:p>
           <a:p>
@@ -23639,7 +23639,7 @@
         <p:fade/>
       </p:transition>
     </mc:Choice>
-    <mc:Fallback xmlns="" xmlns:mv="urn:schemas-microsoft-com:mac:vml" xmlns:c="http://schemas.openxmlformats.org/drawingml/2006/chart" xmlns:dgm="http://schemas.openxmlformats.org/drawingml/2006/diagram" xmlns:o="urn:schemas-microsoft-com:office:office" xmlns:v="urn:schemas-microsoft-com:vml" xmlns:pvml="urn:schemas-microsoft-com:office:powerpoint" xmlns:com="http://schemas.openxmlformats.org/drawingml/2006/compatibility" xmlns:p15="http://schemas.microsoft.com/office/powerpoint/2012/main" xmlns:ahyp="http://schemas.microsoft.com/office/drawing/2018/hyperlinkcolor">
+    <mc:Fallback xmlns:ahyp="http://schemas.microsoft.com/office/drawing/2018/hyperlinkcolor" xmlns:p15="http://schemas.microsoft.com/office/powerpoint/2012/main" xmlns:com="http://schemas.openxmlformats.org/drawingml/2006/compatibility" xmlns:pvml="urn:schemas-microsoft-com:office:powerpoint" xmlns:v="urn:schemas-microsoft-com:vml" xmlns:o="urn:schemas-microsoft-com:office:office" xmlns:dgm="http://schemas.openxmlformats.org/drawingml/2006/diagram" xmlns:c="http://schemas.openxmlformats.org/drawingml/2006/chart" xmlns:mv="urn:schemas-microsoft-com:mac:vml" xmlns="">
       <p:transition spd="slow">
         <p:fade/>
       </p:transition>
@@ -23819,7 +23819,7 @@
         <p:fade/>
       </p:transition>
     </mc:Choice>
-    <mc:Fallback xmlns="" xmlns:mv="urn:schemas-microsoft-com:mac:vml" xmlns:c="http://schemas.openxmlformats.org/drawingml/2006/chart" xmlns:dgm="http://schemas.openxmlformats.org/drawingml/2006/diagram" xmlns:o="urn:schemas-microsoft-com:office:office" xmlns:v="urn:schemas-microsoft-com:vml" xmlns:pvml="urn:schemas-microsoft-com:office:powerpoint" xmlns:com="http://schemas.openxmlformats.org/drawingml/2006/compatibility" xmlns:p15="http://schemas.microsoft.com/office/powerpoint/2012/main" xmlns:ahyp="http://schemas.microsoft.com/office/drawing/2018/hyperlinkcolor">
+    <mc:Fallback xmlns:ahyp="http://schemas.microsoft.com/office/drawing/2018/hyperlinkcolor" xmlns:p15="http://schemas.microsoft.com/office/powerpoint/2012/main" xmlns:com="http://schemas.openxmlformats.org/drawingml/2006/compatibility" xmlns:pvml="urn:schemas-microsoft-com:office:powerpoint" xmlns:v="urn:schemas-microsoft-com:vml" xmlns:o="urn:schemas-microsoft-com:office:office" xmlns:dgm="http://schemas.openxmlformats.org/drawingml/2006/diagram" xmlns:c="http://schemas.openxmlformats.org/drawingml/2006/chart" xmlns:mv="urn:schemas-microsoft-com:mac:vml" xmlns="">
       <p:transition spd="slow">
         <p:fade/>
       </p:transition>
@@ -23921,7 +23921,7 @@
         <p:fade/>
       </p:transition>
     </mc:Choice>
-    <mc:Fallback xmlns="" xmlns:mv="urn:schemas-microsoft-com:mac:vml" xmlns:c="http://schemas.openxmlformats.org/drawingml/2006/chart" xmlns:dgm="http://schemas.openxmlformats.org/drawingml/2006/diagram" xmlns:o="urn:schemas-microsoft-com:office:office" xmlns:v="urn:schemas-microsoft-com:vml" xmlns:pvml="urn:schemas-microsoft-com:office:powerpoint" xmlns:com="http://schemas.openxmlformats.org/drawingml/2006/compatibility" xmlns:p15="http://schemas.microsoft.com/office/powerpoint/2012/main" xmlns:ahyp="http://schemas.microsoft.com/office/drawing/2018/hyperlinkcolor">
+    <mc:Fallback xmlns:ahyp="http://schemas.microsoft.com/office/drawing/2018/hyperlinkcolor" xmlns:p15="http://schemas.microsoft.com/office/powerpoint/2012/main" xmlns:com="http://schemas.openxmlformats.org/drawingml/2006/compatibility" xmlns:pvml="urn:schemas-microsoft-com:office:powerpoint" xmlns:v="urn:schemas-microsoft-com:vml" xmlns:o="urn:schemas-microsoft-com:office:office" xmlns:dgm="http://schemas.openxmlformats.org/drawingml/2006/diagram" xmlns:c="http://schemas.openxmlformats.org/drawingml/2006/chart" xmlns:mv="urn:schemas-microsoft-com:mac:vml" xmlns="">
       <p:transition spd="slow">
         <p:fade/>
       </p:transition>
@@ -24281,7 +24281,7 @@
         <p:fade/>
       </p:transition>
     </mc:Choice>
-    <mc:Fallback xmlns="" xmlns:mv="urn:schemas-microsoft-com:mac:vml" xmlns:c="http://schemas.openxmlformats.org/drawingml/2006/chart" xmlns:dgm="http://schemas.openxmlformats.org/drawingml/2006/diagram" xmlns:o="urn:schemas-microsoft-com:office:office" xmlns:v="urn:schemas-microsoft-com:vml" xmlns:pvml="urn:schemas-microsoft-com:office:powerpoint" xmlns:com="http://schemas.openxmlformats.org/drawingml/2006/compatibility" xmlns:p15="http://schemas.microsoft.com/office/powerpoint/2012/main" xmlns:ahyp="http://schemas.microsoft.com/office/drawing/2018/hyperlinkcolor">
+    <mc:Fallback xmlns:ahyp="http://schemas.microsoft.com/office/drawing/2018/hyperlinkcolor" xmlns:p15="http://schemas.microsoft.com/office/powerpoint/2012/main" xmlns:com="http://schemas.openxmlformats.org/drawingml/2006/compatibility" xmlns:pvml="urn:schemas-microsoft-com:office:powerpoint" xmlns:v="urn:schemas-microsoft-com:vml" xmlns:o="urn:schemas-microsoft-com:office:office" xmlns:dgm="http://schemas.openxmlformats.org/drawingml/2006/diagram" xmlns:c="http://schemas.openxmlformats.org/drawingml/2006/chart" xmlns:mv="urn:schemas-microsoft-com:mac:vml" xmlns="">
       <p:transition spd="slow">
         <p:fade/>
       </p:transition>
@@ -24655,7 +24655,7 @@
         <p:fade/>
       </p:transition>
     </mc:Choice>
-    <mc:Fallback xmlns="" xmlns:mv="urn:schemas-microsoft-com:mac:vml" xmlns:c="http://schemas.openxmlformats.org/drawingml/2006/chart" xmlns:dgm="http://schemas.openxmlformats.org/drawingml/2006/diagram" xmlns:o="urn:schemas-microsoft-com:office:office" xmlns:v="urn:schemas-microsoft-com:vml" xmlns:pvml="urn:schemas-microsoft-com:office:powerpoint" xmlns:com="http://schemas.openxmlformats.org/drawingml/2006/compatibility" xmlns:p15="http://schemas.microsoft.com/office/powerpoint/2012/main" xmlns:ahyp="http://schemas.microsoft.com/office/drawing/2018/hyperlinkcolor">
+    <mc:Fallback xmlns:ahyp="http://schemas.microsoft.com/office/drawing/2018/hyperlinkcolor" xmlns:p15="http://schemas.microsoft.com/office/powerpoint/2012/main" xmlns:com="http://schemas.openxmlformats.org/drawingml/2006/compatibility" xmlns:pvml="urn:schemas-microsoft-com:office:powerpoint" xmlns:v="urn:schemas-microsoft-com:vml" xmlns:o="urn:schemas-microsoft-com:office:office" xmlns:dgm="http://schemas.openxmlformats.org/drawingml/2006/diagram" xmlns:c="http://schemas.openxmlformats.org/drawingml/2006/chart" xmlns:mv="urn:schemas-microsoft-com:mac:vml" xmlns="">
       <p:transition spd="slow">
         <p:fade/>
       </p:transition>
@@ -25148,7 +25148,7 @@
         <p:fade/>
       </p:transition>
     </mc:Choice>
-    <mc:Fallback xmlns="" xmlns:mv="urn:schemas-microsoft-com:mac:vml" xmlns:c="http://schemas.openxmlformats.org/drawingml/2006/chart" xmlns:dgm="http://schemas.openxmlformats.org/drawingml/2006/diagram" xmlns:o="urn:schemas-microsoft-com:office:office" xmlns:v="urn:schemas-microsoft-com:vml" xmlns:pvml="urn:schemas-microsoft-com:office:powerpoint" xmlns:com="http://schemas.openxmlformats.org/drawingml/2006/compatibility" xmlns:p15="http://schemas.microsoft.com/office/powerpoint/2012/main" xmlns:ahyp="http://schemas.microsoft.com/office/drawing/2018/hyperlinkcolor">
+    <mc:Fallback xmlns:ahyp="http://schemas.microsoft.com/office/drawing/2018/hyperlinkcolor" xmlns:p15="http://schemas.microsoft.com/office/powerpoint/2012/main" xmlns:com="http://schemas.openxmlformats.org/drawingml/2006/compatibility" xmlns:pvml="urn:schemas-microsoft-com:office:powerpoint" xmlns:v="urn:schemas-microsoft-com:vml" xmlns:o="urn:schemas-microsoft-com:office:office" xmlns:dgm="http://schemas.openxmlformats.org/drawingml/2006/diagram" xmlns:c="http://schemas.openxmlformats.org/drawingml/2006/chart" xmlns:mv="urn:schemas-microsoft-com:mac:vml" xmlns="">
       <p:transition spd="slow">
         <p:fade/>
       </p:transition>
@@ -25998,7 +25998,7 @@
         <p:fade/>
       </p:transition>
     </mc:Choice>
-    <mc:Fallback xmlns="" xmlns:mv="urn:schemas-microsoft-com:mac:vml" xmlns:c="http://schemas.openxmlformats.org/drawingml/2006/chart" xmlns:dgm="http://schemas.openxmlformats.org/drawingml/2006/diagram" xmlns:o="urn:schemas-microsoft-com:office:office" xmlns:v="urn:schemas-microsoft-com:vml" xmlns:pvml="urn:schemas-microsoft-com:office:powerpoint" xmlns:com="http://schemas.openxmlformats.org/drawingml/2006/compatibility" xmlns:p15="http://schemas.microsoft.com/office/powerpoint/2012/main" xmlns:ahyp="http://schemas.microsoft.com/office/drawing/2018/hyperlinkcolor">
+    <mc:Fallback xmlns:ahyp="http://schemas.microsoft.com/office/drawing/2018/hyperlinkcolor" xmlns:p15="http://schemas.microsoft.com/office/powerpoint/2012/main" xmlns:com="http://schemas.openxmlformats.org/drawingml/2006/compatibility" xmlns:pvml="urn:schemas-microsoft-com:office:powerpoint" xmlns:v="urn:schemas-microsoft-com:vml" xmlns:o="urn:schemas-microsoft-com:office:office" xmlns:dgm="http://schemas.openxmlformats.org/drawingml/2006/diagram" xmlns:c="http://schemas.openxmlformats.org/drawingml/2006/chart" xmlns:mv="urn:schemas-microsoft-com:mac:vml" xmlns="">
       <p:transition spd="slow">
         <p:fade/>
       </p:transition>
@@ -30779,7 +30779,7 @@
                   <a:srgbClr val="00B050"/>
                 </a:solidFill>
               </a:rPr>
-              <a:t>795/860</a:t>
+              <a:t>860/897</a:t>
             </a:r>
           </a:p>
           <a:p>
@@ -30819,7 +30819,7 @@
         <p:fade/>
       </p:transition>
     </mc:Choice>
-    <mc:Fallback xmlns="" xmlns:mv="urn:schemas-microsoft-com:mac:vml" xmlns:c="http://schemas.openxmlformats.org/drawingml/2006/chart" xmlns:dgm="http://schemas.openxmlformats.org/drawingml/2006/diagram" xmlns:o="urn:schemas-microsoft-com:office:office" xmlns:v="urn:schemas-microsoft-com:vml" xmlns:pvml="urn:schemas-microsoft-com:office:powerpoint" xmlns:com="http://schemas.openxmlformats.org/drawingml/2006/compatibility" xmlns:p15="http://schemas.microsoft.com/office/powerpoint/2012/main" xmlns:ahyp="http://schemas.microsoft.com/office/drawing/2018/hyperlinkcolor">
+    <mc:Fallback xmlns:ahyp="http://schemas.microsoft.com/office/drawing/2018/hyperlinkcolor" xmlns:p15="http://schemas.microsoft.com/office/powerpoint/2012/main" xmlns:com="http://schemas.openxmlformats.org/drawingml/2006/compatibility" xmlns:pvml="urn:schemas-microsoft-com:office:powerpoint" xmlns:v="urn:schemas-microsoft-com:vml" xmlns:o="urn:schemas-microsoft-com:office:office" xmlns:dgm="http://schemas.openxmlformats.org/drawingml/2006/diagram" xmlns:c="http://schemas.openxmlformats.org/drawingml/2006/chart" xmlns:mv="urn:schemas-microsoft-com:mac:vml" xmlns="">
       <p:transition spd="slow">
         <p:fade/>
       </p:transition>
@@ -31100,7 +31100,7 @@
         <p:fade/>
       </p:transition>
     </mc:Choice>
-    <mc:Fallback xmlns="" xmlns:mv="urn:schemas-microsoft-com:mac:vml" xmlns:c="http://schemas.openxmlformats.org/drawingml/2006/chart" xmlns:dgm="http://schemas.openxmlformats.org/drawingml/2006/diagram" xmlns:o="urn:schemas-microsoft-com:office:office" xmlns:v="urn:schemas-microsoft-com:vml" xmlns:pvml="urn:schemas-microsoft-com:office:powerpoint" xmlns:com="http://schemas.openxmlformats.org/drawingml/2006/compatibility" xmlns:p15="http://schemas.microsoft.com/office/powerpoint/2012/main" xmlns:ahyp="http://schemas.microsoft.com/office/drawing/2018/hyperlinkcolor">
+    <mc:Fallback xmlns:ahyp="http://schemas.microsoft.com/office/drawing/2018/hyperlinkcolor" xmlns:p15="http://schemas.microsoft.com/office/powerpoint/2012/main" xmlns:com="http://schemas.openxmlformats.org/drawingml/2006/compatibility" xmlns:pvml="urn:schemas-microsoft-com:office:powerpoint" xmlns:v="urn:schemas-microsoft-com:vml" xmlns:o="urn:schemas-microsoft-com:office:office" xmlns:dgm="http://schemas.openxmlformats.org/drawingml/2006/diagram" xmlns:c="http://schemas.openxmlformats.org/drawingml/2006/chart" xmlns:mv="urn:schemas-microsoft-com:mac:vml" xmlns="">
       <p:transition spd="slow">
         <p:fade/>
       </p:transition>
@@ -31501,7 +31501,7 @@
         <p:fade/>
       </p:transition>
     </mc:Choice>
-    <mc:Fallback xmlns="" xmlns:mv="urn:schemas-microsoft-com:mac:vml" xmlns:c="http://schemas.openxmlformats.org/drawingml/2006/chart" xmlns:dgm="http://schemas.openxmlformats.org/drawingml/2006/diagram" xmlns:o="urn:schemas-microsoft-com:office:office" xmlns:v="urn:schemas-microsoft-com:vml" xmlns:pvml="urn:schemas-microsoft-com:office:powerpoint" xmlns:com="http://schemas.openxmlformats.org/drawingml/2006/compatibility" xmlns:p15="http://schemas.microsoft.com/office/powerpoint/2012/main" xmlns:ahyp="http://schemas.microsoft.com/office/drawing/2018/hyperlinkcolor">
+    <mc:Fallback xmlns:ahyp="http://schemas.microsoft.com/office/drawing/2018/hyperlinkcolor" xmlns:p15="http://schemas.microsoft.com/office/powerpoint/2012/main" xmlns:com="http://schemas.openxmlformats.org/drawingml/2006/compatibility" xmlns:pvml="urn:schemas-microsoft-com:office:powerpoint" xmlns:v="urn:schemas-microsoft-com:vml" xmlns:o="urn:schemas-microsoft-com:office:office" xmlns:dgm="http://schemas.openxmlformats.org/drawingml/2006/diagram" xmlns:c="http://schemas.openxmlformats.org/drawingml/2006/chart" xmlns:mv="urn:schemas-microsoft-com:mac:vml" xmlns="">
       <p:transition spd="slow">
         <p:fade/>
       </p:transition>
@@ -31996,7 +31996,7 @@
         <p:fade/>
       </p:transition>
     </mc:Choice>
-    <mc:Fallback xmlns="" xmlns:mv="urn:schemas-microsoft-com:mac:vml" xmlns:c="http://schemas.openxmlformats.org/drawingml/2006/chart" xmlns:dgm="http://schemas.openxmlformats.org/drawingml/2006/diagram" xmlns:o="urn:schemas-microsoft-com:office:office" xmlns:v="urn:schemas-microsoft-com:vml" xmlns:pvml="urn:schemas-microsoft-com:office:powerpoint" xmlns:com="http://schemas.openxmlformats.org/drawingml/2006/compatibility" xmlns:p15="http://schemas.microsoft.com/office/powerpoint/2012/main" xmlns:ahyp="http://schemas.microsoft.com/office/drawing/2018/hyperlinkcolor">
+    <mc:Fallback xmlns:ahyp="http://schemas.microsoft.com/office/drawing/2018/hyperlinkcolor" xmlns:p15="http://schemas.microsoft.com/office/powerpoint/2012/main" xmlns:com="http://schemas.openxmlformats.org/drawingml/2006/compatibility" xmlns:pvml="urn:schemas-microsoft-com:office:powerpoint" xmlns:v="urn:schemas-microsoft-com:vml" xmlns:o="urn:schemas-microsoft-com:office:office" xmlns:dgm="http://schemas.openxmlformats.org/drawingml/2006/diagram" xmlns:c="http://schemas.openxmlformats.org/drawingml/2006/chart" xmlns:mv="urn:schemas-microsoft-com:mac:vml" xmlns="">
       <p:transition spd="slow">
         <p:fade/>
       </p:transition>
